--- a/Intermediate/7_Built_in_functions/strip/notes.pptx
+++ b/Intermediate/7_Built_in_functions/strip/notes.pptx
@@ -263,7 +263,7 @@
           <a:p>
             <a:fld id="{C6DA2045-109F-43A8-BEF9-55FB721B6A05}" type="datetimeFigureOut">
               <a:rPr lang="en-US" smtClean="0"/>
-              <a:t>8/5/2018</a:t>
+              <a:t>8/6/2018</a:t>
             </a:fld>
             <a:endParaRPr lang="en-US"/>
           </a:p>
@@ -461,7 +461,7 @@
           <a:p>
             <a:fld id="{C6DA2045-109F-43A8-BEF9-55FB721B6A05}" type="datetimeFigureOut">
               <a:rPr lang="en-US" smtClean="0"/>
-              <a:t>8/5/2018</a:t>
+              <a:t>8/6/2018</a:t>
             </a:fld>
             <a:endParaRPr lang="en-US"/>
           </a:p>
@@ -669,7 +669,7 @@
           <a:p>
             <a:fld id="{C6DA2045-109F-43A8-BEF9-55FB721B6A05}" type="datetimeFigureOut">
               <a:rPr lang="en-US" smtClean="0"/>
-              <a:t>8/5/2018</a:t>
+              <a:t>8/6/2018</a:t>
             </a:fld>
             <a:endParaRPr lang="en-US"/>
           </a:p>
@@ -867,7 +867,7 @@
           <a:p>
             <a:fld id="{C6DA2045-109F-43A8-BEF9-55FB721B6A05}" type="datetimeFigureOut">
               <a:rPr lang="en-US" smtClean="0"/>
-              <a:t>8/5/2018</a:t>
+              <a:t>8/6/2018</a:t>
             </a:fld>
             <a:endParaRPr lang="en-US"/>
           </a:p>
@@ -1142,7 +1142,7 @@
           <a:p>
             <a:fld id="{C6DA2045-109F-43A8-BEF9-55FB721B6A05}" type="datetimeFigureOut">
               <a:rPr lang="en-US" smtClean="0"/>
-              <a:t>8/5/2018</a:t>
+              <a:t>8/6/2018</a:t>
             </a:fld>
             <a:endParaRPr lang="en-US"/>
           </a:p>
@@ -1407,7 +1407,7 @@
           <a:p>
             <a:fld id="{C6DA2045-109F-43A8-BEF9-55FB721B6A05}" type="datetimeFigureOut">
               <a:rPr lang="en-US" smtClean="0"/>
-              <a:t>8/5/2018</a:t>
+              <a:t>8/6/2018</a:t>
             </a:fld>
             <a:endParaRPr lang="en-US"/>
           </a:p>
@@ -1819,7 +1819,7 @@
           <a:p>
             <a:fld id="{C6DA2045-109F-43A8-BEF9-55FB721B6A05}" type="datetimeFigureOut">
               <a:rPr lang="en-US" smtClean="0"/>
-              <a:t>8/5/2018</a:t>
+              <a:t>8/6/2018</a:t>
             </a:fld>
             <a:endParaRPr lang="en-US"/>
           </a:p>
@@ -1960,7 +1960,7 @@
           <a:p>
             <a:fld id="{C6DA2045-109F-43A8-BEF9-55FB721B6A05}" type="datetimeFigureOut">
               <a:rPr lang="en-US" smtClean="0"/>
-              <a:t>8/5/2018</a:t>
+              <a:t>8/6/2018</a:t>
             </a:fld>
             <a:endParaRPr lang="en-US"/>
           </a:p>
@@ -2073,7 +2073,7 @@
           <a:p>
             <a:fld id="{C6DA2045-109F-43A8-BEF9-55FB721B6A05}" type="datetimeFigureOut">
               <a:rPr lang="en-US" smtClean="0"/>
-              <a:t>8/5/2018</a:t>
+              <a:t>8/6/2018</a:t>
             </a:fld>
             <a:endParaRPr lang="en-US"/>
           </a:p>
@@ -2384,7 +2384,7 @@
           <a:p>
             <a:fld id="{C6DA2045-109F-43A8-BEF9-55FB721B6A05}" type="datetimeFigureOut">
               <a:rPr lang="en-US" smtClean="0"/>
-              <a:t>8/5/2018</a:t>
+              <a:t>8/6/2018</a:t>
             </a:fld>
             <a:endParaRPr lang="en-US"/>
           </a:p>
@@ -2672,7 +2672,7 @@
           <a:p>
             <a:fld id="{C6DA2045-109F-43A8-BEF9-55FB721B6A05}" type="datetimeFigureOut">
               <a:rPr lang="en-US" smtClean="0"/>
-              <a:t>8/5/2018</a:t>
+              <a:t>8/6/2018</a:t>
             </a:fld>
             <a:endParaRPr lang="en-US"/>
           </a:p>
@@ -2913,7 +2913,7 @@
           <a:p>
             <a:fld id="{C6DA2045-109F-43A8-BEF9-55FB721B6A05}" type="datetimeFigureOut">
               <a:rPr lang="en-US" smtClean="0"/>
-              <a:t>8/5/2018</a:t>
+              <a:t>8/6/2018</a:t>
             </a:fld>
             <a:endParaRPr lang="en-US"/>
           </a:p>
@@ -3997,7 +3997,7 @@
                   <a:srgbClr val="FFC000"/>
                 </a:solidFill>
               </a:rPr>
-              <a:t>“Mohamed1“</a:t>
+              <a:t>“Mohamed901“</a:t>
             </a:r>
           </a:p>
           <a:p>
@@ -4027,8 +4027,16 @@
               <a:t>strip</a:t>
             </a:r>
             <a:r>
-              <a:rPr lang="en-US" dirty="0"/>
+              <a:rPr lang="en-US"/>
               <a:t>(</a:t>
+            </a:r>
+            <a:r>
+              <a:rPr lang="en-US">
+                <a:solidFill>
+                  <a:srgbClr val="FFC000"/>
+                </a:solidFill>
+              </a:rPr>
+              <a:t>“901</a:t>
             </a:r>
             <a:r>
               <a:rPr lang="en-US" dirty="0">
@@ -4036,7 +4044,7 @@
                   <a:srgbClr val="FFC000"/>
                 </a:solidFill>
               </a:rPr>
-              <a:t>“1”</a:t>
+              <a:t>”</a:t>
             </a:r>
             <a:r>
               <a:rPr lang="en-US" dirty="0"/>
